--- a/ETC/Box final.pptx
+++ b/ETC/Box final.pptx
@@ -6144,6 +6144,60 @@
           <a:xfrm>
             <a:off x="838741" y="1772816"/>
             <a:ext cx="7448550" cy="4114800"/>
+          </a:xfrm>
+          <a:prstGeom prst="rect">
+            <a:avLst/>
+          </a:prstGeom>
+          <a:noFill/>
+          <a:ln>
+            <a:noFill/>
+          </a:ln>
+          <a:extLst>
+            <a:ext uri="{909E8E84-426E-40DD-AFC4-6F175D3DCCD1}">
+              <a14:hiddenFill xmlns:a14="http://schemas.microsoft.com/office/drawing/2010/main">
+                <a:solidFill>
+                  <a:schemeClr val="accent1"/>
+                </a:solidFill>
+              </a14:hiddenFill>
+            </a:ext>
+            <a:ext uri="{91240B29-F687-4F45-9708-019B960494DF}">
+              <a14:hiddenLine xmlns:a14="http://schemas.microsoft.com/office/drawing/2010/main" w="9525">
+                <a:solidFill>
+                  <a:schemeClr val="tx1"/>
+                </a:solidFill>
+                <a:miter lim="800000"/>
+                <a:headEnd/>
+                <a:tailEnd/>
+              </a14:hiddenLine>
+            </a:ext>
+          </a:extLst>
+        </p:spPr>
+      </p:pic>
+      <p:pic>
+        <p:nvPicPr>
+          <p:cNvPr id="10243" name="Picture 3"/>
+          <p:cNvPicPr>
+            <a:picLocks noChangeAspect="1" noChangeArrowheads="1"/>
+          </p:cNvPicPr>
+          <p:nvPr/>
+        </p:nvPicPr>
+        <p:blipFill>
+          <a:blip r:embed="rId3">
+            <a:extLst>
+              <a:ext uri="{28A0092B-C50C-407E-A947-70E740481C1C}">
+                <a14:useLocalDpi xmlns:a14="http://schemas.microsoft.com/office/drawing/2010/main" val="0"/>
+              </a:ext>
+            </a:extLst>
+          </a:blip>
+          <a:srcRect/>
+          <a:stretch>
+            <a:fillRect/>
+          </a:stretch>
+        </p:blipFill>
+        <p:spPr bwMode="auto">
+          <a:xfrm>
+            <a:off x="1547664" y="4221088"/>
+            <a:ext cx="4800600" cy="2076450"/>
           </a:xfrm>
           <a:prstGeom prst="rect">
             <a:avLst/>
